--- a/docs/diagrams/FindListHistoryActivityDiagram.pptx
+++ b/docs/diagrams/FindListHistoryActivityDiagram.pptx
@@ -3610,7 +3610,7 @@
             <a:pPr algn="ctr"/>
             <a:r>
               <a:rPr lang="en-SG" sz="1801" dirty="0"/>
-              <a:t>User execute ListCommand</a:t>
+              <a:t>User executes ListCommand</a:t>
             </a:r>
           </a:p>
         </p:txBody>
@@ -3954,8 +3954,8 @@
         </p:nvSpPr>
         <p:spPr>
           <a:xfrm>
-            <a:off x="3277751" y="3583011"/>
-            <a:ext cx="2953232" cy="814659"/>
+            <a:off x="3277750" y="3583011"/>
+            <a:ext cx="2992269" cy="814659"/>
           </a:xfrm>
           <a:prstGeom prst="roundRect">
             <a:avLst/>
@@ -3987,7 +3987,7 @@
             <a:pPr algn="ctr"/>
             <a:r>
               <a:rPr lang="en-SG" sz="1801" dirty="0"/>
-              <a:t>User execute FindCommand</a:t>
+              <a:t>User executes FindCommand</a:t>
             </a:r>
           </a:p>
         </p:txBody>
@@ -4009,8 +4009,8 @@
         </p:nvCxnSpPr>
         <p:spPr>
           <a:xfrm>
-            <a:off x="6230983" y="3990341"/>
-            <a:ext cx="1221133" cy="241897"/>
+            <a:off x="6270019" y="3990341"/>
+            <a:ext cx="1182097" cy="241897"/>
           </a:xfrm>
           <a:prstGeom prst="bentConnector3">
             <a:avLst>
@@ -4309,7 +4309,7 @@
             <a:pPr algn="ctr"/>
             <a:r>
               <a:rPr lang="en-SG" sz="1801" dirty="0"/>
-              <a:t>CommandHistory records ListCommand input</a:t>
+              <a:t>System records ListCommand input in CommandHistory</a:t>
             </a:r>
           </a:p>
         </p:txBody>
@@ -4410,7 +4410,7 @@
             <a:pPr algn="ctr"/>
             <a:r>
               <a:rPr lang="en-SG" sz="1801" dirty="0"/>
-              <a:t>CommandHistory records FindCommand input</a:t>
+              <a:t>System records ListCommand input in CommandHistory</a:t>
             </a:r>
           </a:p>
         </p:txBody>
@@ -4656,7 +4656,7 @@
         <p:spPr>
           <a:xfrm flipV="1">
             <a:off x="2584554" y="3990341"/>
-            <a:ext cx="693197" cy="270352"/>
+            <a:ext cx="693196" cy="270352"/>
           </a:xfrm>
           <a:prstGeom prst="bentConnector3">
             <a:avLst>
